--- a/08_ArithmeticOperator.pptx
+++ b/08_ArithmeticOperator.pptx
@@ -3919,7 +3919,7 @@
                   <a:srgbClr val="FFFF00"/>
                 </a:solidFill>
               </a:rPr>
-              <a:t>3.1 Code</a:t>
+              <a:t>9.1 Code</a:t>
             </a:r>
             <a:endParaRPr lang="zh-TW" altLang="en-US" sz="4800" b="1" dirty="0">
               <a:solidFill>
@@ -4109,7 +4109,7 @@
                   <a:srgbClr val="FFFF00"/>
                 </a:solidFill>
               </a:rPr>
-              <a:t>2.1 Code</a:t>
+              <a:t>9.1 Code</a:t>
             </a:r>
             <a:endParaRPr lang="zh-TW" altLang="en-US" b="1" dirty="0">
               <a:solidFill>
@@ -4372,7 +4372,7 @@
                   <a:srgbClr val="FFFF00"/>
                 </a:solidFill>
               </a:rPr>
-              <a:t>3.2 Verify</a:t>
+              <a:t>9.2 Verify</a:t>
             </a:r>
             <a:endParaRPr lang="zh-TW" altLang="en-US" sz="4800" b="1" dirty="0">
               <a:solidFill>
@@ -4562,7 +4562,7 @@
                   <a:srgbClr val="FFFF00"/>
                 </a:solidFill>
               </a:rPr>
-              <a:t>3.2 Verify</a:t>
+              <a:t>9.2 Verify</a:t>
             </a:r>
             <a:endParaRPr lang="zh-TW" altLang="en-US" b="1" dirty="0">
               <a:solidFill>
